--- a/saves/Save Formats.pptx
+++ b/saves/Save Formats.pptx
@@ -188,7 +188,7 @@
           <a:p>
             <a:fld id="{ABFC036A-F0E8-4ECB-B210-A00C4996379F}" type="datetimeFigureOut">
               <a:rPr lang="en-US" smtClean="0"/>
-              <a:t>7/15/2014</a:t>
+              <a:t>7/17/2014</a:t>
             </a:fld>
             <a:endParaRPr lang="en-US"/>
           </a:p>
@@ -713,7 +713,7 @@
           <a:p>
             <a:fld id="{ABFC036A-F0E8-4ECB-B210-A00C4996379F}" type="datetimeFigureOut">
               <a:rPr lang="en-US" smtClean="0"/>
-              <a:t>7/15/2014</a:t>
+              <a:t>7/17/2014</a:t>
             </a:fld>
             <a:endParaRPr lang="en-US"/>
           </a:p>
@@ -1027,7 +1027,7 @@
           <a:p>
             <a:fld id="{ABFC036A-F0E8-4ECB-B210-A00C4996379F}" type="datetimeFigureOut">
               <a:rPr lang="en-US" smtClean="0"/>
-              <a:t>7/15/2014</a:t>
+              <a:t>7/17/2014</a:t>
             </a:fld>
             <a:endParaRPr lang="en-US"/>
           </a:p>
@@ -1313,7 +1313,7 @@
           <a:p>
             <a:fld id="{ABFC036A-F0E8-4ECB-B210-A00C4996379F}" type="datetimeFigureOut">
               <a:rPr lang="en-US" smtClean="0"/>
-              <a:t>7/15/2014</a:t>
+              <a:t>7/17/2014</a:t>
             </a:fld>
             <a:endParaRPr lang="en-US"/>
           </a:p>
@@ -1888,7 +1888,7 @@
           <a:p>
             <a:fld id="{ABFC036A-F0E8-4ECB-B210-A00C4996379F}" type="datetimeFigureOut">
               <a:rPr lang="en-US" smtClean="0"/>
-              <a:t>7/15/2014</a:t>
+              <a:t>7/17/2014</a:t>
             </a:fld>
             <a:endParaRPr lang="en-US"/>
           </a:p>
@@ -1978,7 +1978,7 @@
           <a:p>
             <a:fld id="{ABFC036A-F0E8-4ECB-B210-A00C4996379F}" type="datetimeFigureOut">
               <a:rPr lang="en-US" smtClean="0"/>
-              <a:t>7/15/2014</a:t>
+              <a:t>7/17/2014</a:t>
             </a:fld>
             <a:endParaRPr lang="en-US"/>
           </a:p>
@@ -2687,7 +2687,7 @@
           <a:p>
             <a:fld id="{ABFC036A-F0E8-4ECB-B210-A00C4996379F}" type="datetimeFigureOut">
               <a:rPr lang="en-US" smtClean="0"/>
-              <a:t>7/15/2014</a:t>
+              <a:t>7/17/2014</a:t>
             </a:fld>
             <a:endParaRPr lang="en-US"/>
           </a:p>
@@ -2939,7 +2939,7 @@
           <a:p>
             <a:fld id="{ABFC036A-F0E8-4ECB-B210-A00C4996379F}" type="datetimeFigureOut">
               <a:rPr lang="en-US" smtClean="0"/>
-              <a:t>7/15/2014</a:t>
+              <a:t>7/17/2014</a:t>
             </a:fld>
             <a:endParaRPr lang="en-US"/>
           </a:p>
@@ -3168,7 +3168,7 @@
           <a:p>
             <a:fld id="{ABFC036A-F0E8-4ECB-B210-A00C4996379F}" type="datetimeFigureOut">
               <a:rPr lang="en-US" smtClean="0"/>
-              <a:t>7/15/2014</a:t>
+              <a:t>7/17/2014</a:t>
             </a:fld>
             <a:endParaRPr lang="en-US"/>
           </a:p>
@@ -3442,7 +3442,7 @@
           <a:p>
             <a:fld id="{ABFC036A-F0E8-4ECB-B210-A00C4996379F}" type="datetimeFigureOut">
               <a:rPr lang="en-US" smtClean="0"/>
-              <a:t>7/15/2014</a:t>
+              <a:t>7/17/2014</a:t>
             </a:fld>
             <a:endParaRPr lang="en-US"/>
           </a:p>
@@ -3728,7 +3728,7 @@
           <a:p>
             <a:fld id="{ABFC036A-F0E8-4ECB-B210-A00C4996379F}" type="datetimeFigureOut">
               <a:rPr lang="en-US" smtClean="0"/>
-              <a:t>7/15/2014</a:t>
+              <a:t>7/17/2014</a:t>
             </a:fld>
             <a:endParaRPr lang="en-US"/>
           </a:p>
@@ -3996,7 +3996,7 @@
           <a:p>
             <a:fld id="{ABFC036A-F0E8-4ECB-B210-A00C4996379F}" type="datetimeFigureOut">
               <a:rPr lang="en-US" smtClean="0"/>
-              <a:t>7/15/2014</a:t>
+              <a:t>7/17/2014</a:t>
             </a:fld>
             <a:endParaRPr lang="en-US"/>
           </a:p>
@@ -4824,7 +4824,11 @@
           <a:p>
             <a:r>
               <a:rPr lang="en-US" dirty="0" smtClean="0"/>
-              <a:t>Player Info</a:t>
+              <a:t>Player </a:t>
+            </a:r>
+            <a:r>
+              <a:rPr lang="en-US" dirty="0" smtClean="0"/>
+              <a:t>Info (static trainer)</a:t>
             </a:r>
           </a:p>
           <a:p>
@@ -4832,6 +4836,7 @@
               <a:rPr lang="en-US" dirty="0" smtClean="0"/>
               <a:t>==========</a:t>
             </a:r>
+            <a:endParaRPr lang="en-US" dirty="0" smtClean="0"/>
           </a:p>
         </p:txBody>
       </p:sp>
@@ -4867,7 +4872,7 @@
         <p:spPr>
           <a:xfrm>
             <a:off x="3392959" y="1905000"/>
-            <a:ext cx="1167714" cy="5170646"/>
+            <a:ext cx="1167714" cy="4862870"/>
           </a:xfrm>
           <a:prstGeom prst="rect">
             <a:avLst/>
@@ -4983,52 +4988,28 @@
             <a:br>
               <a:rPr lang="en-US" sz="1000" dirty="0" smtClean="0"/>
             </a:br>
-            <a:r>
-              <a:rPr lang="en-US" sz="1000" dirty="0" smtClean="0"/>
-              <a:t>Potion</a:t>
-            </a:r>
-          </a:p>
-          <a:p>
-            <a:r>
-              <a:rPr lang="en-US" sz="1000" dirty="0" smtClean="0"/>
-              <a:t>Pallet Town</a:t>
-            </a:r>
-          </a:p>
-          <a:p>
-            <a:r>
-              <a:rPr lang="en-US" sz="1000" dirty="0" smtClean="0"/>
-              <a:t>10,20</a:t>
-            </a:r>
+            <a:endParaRPr lang="en-US" sz="1000" dirty="0" smtClean="0"/>
+          </a:p>
+          <a:p>
+            <a:r>
+              <a:rPr lang="en-US" sz="1000" dirty="0" smtClean="0"/>
+              <a:t>Pallet </a:t>
+            </a:r>
+            <a:r>
+              <a:rPr lang="en-US" sz="1000" dirty="0" smtClean="0"/>
+              <a:t>Town,10,20,Potion</a:t>
+            </a:r>
+            <a:endParaRPr lang="en-US" sz="1000" dirty="0"/>
+          </a:p>
+          <a:p>
+            <a:endParaRPr lang="en-US" sz="1000" dirty="0" smtClean="0"/>
           </a:p>
           <a:p>
             <a:r>
               <a:rPr lang="en-US" sz="1000" dirty="0" smtClean="0"/>
               <a:t>++++++++++++</a:t>
             </a:r>
-          </a:p>
-          <a:p>
-            <a:r>
-              <a:rPr lang="en-US" sz="1000" dirty="0" smtClean="0"/>
-              <a:t>Super Potion</a:t>
-            </a:r>
-          </a:p>
-          <a:p>
-            <a:r>
-              <a:rPr lang="en-US" sz="1000" dirty="0" smtClean="0"/>
-              <a:t>Pallet Town</a:t>
-            </a:r>
-          </a:p>
-          <a:p>
-            <a:r>
-              <a:rPr lang="en-US" sz="1000" dirty="0" smtClean="0"/>
-              <a:t>11,21</a:t>
-            </a:r>
-          </a:p>
-          <a:p>
-            <a:r>
-              <a:rPr lang="en-US" sz="1000" dirty="0" smtClean="0"/>
-              <a:t>++++++++++++</a:t>
-            </a:r>
+            <a:endParaRPr lang="en-US" sz="1000" dirty="0" smtClean="0"/>
           </a:p>
           <a:p>
             <a:r>
@@ -5109,7 +5090,6 @@
               <a:rPr lang="en-US" sz="1000" dirty="0" smtClean="0"/>
               <a:t>++++++++++++</a:t>
             </a:r>
-            <a:endParaRPr lang="en-US" sz="1000" dirty="0" smtClean="0"/>
           </a:p>
           <a:p>
             <a:r>
@@ -5122,7 +5102,6 @@
               <a:rPr lang="en-US" sz="1000" dirty="0" smtClean="0"/>
               <a:t>++++++++++++</a:t>
             </a:r>
-            <a:endParaRPr lang="en-US" sz="1000" dirty="0" smtClean="0"/>
           </a:p>
           <a:p>
             <a:r>
@@ -5141,31 +5120,24 @@
               <a:rPr lang="en-US" sz="1000" dirty="0" smtClean="0"/>
               <a:t>++++++++++++</a:t>
             </a:r>
-            <a:endParaRPr lang="en-US" sz="1000" dirty="0" smtClean="0"/>
+          </a:p>
+          <a:p>
+            <a:r>
+              <a:rPr lang="en-US" sz="1000" dirty="0" smtClean="0"/>
+              <a:t>++++++++++++Key Card,1</a:t>
+            </a:r>
           </a:p>
           <a:p>
             <a:r>
               <a:rPr lang="en-US" sz="1000" dirty="0" smtClean="0"/>
               <a:t>++++++++++++</a:t>
             </a:r>
-            <a:r>
-              <a:rPr lang="en-US" sz="1000" dirty="0" smtClean="0"/>
-              <a:t>Key Card,1</a:t>
-            </a:r>
-          </a:p>
-          <a:p>
-            <a:r>
-              <a:rPr lang="en-US" sz="1000" dirty="0" smtClean="0"/>
-              <a:t>++++++++++++</a:t>
-            </a:r>
-            <a:endParaRPr lang="en-US" sz="1000" dirty="0" smtClean="0"/>
           </a:p>
           <a:p>
             <a:r>
               <a:rPr lang="en-US" sz="1000" dirty="0" smtClean="0"/>
               <a:t>============</a:t>
             </a:r>
-            <a:endParaRPr lang="en-US" sz="1000" dirty="0" smtClean="0"/>
           </a:p>
           <a:p>
             <a:r>
@@ -5280,7 +5252,6 @@
               <a:rPr lang="en-US" sz="1000" dirty="0" smtClean="0"/>
               <a:t>============</a:t>
             </a:r>
-            <a:endParaRPr lang="en-US" sz="1000" dirty="0" smtClean="0"/>
           </a:p>
         </p:txBody>
       </p:sp>
@@ -5497,7 +5468,7 @@
         <p:spPr>
           <a:xfrm>
             <a:off x="6858000" y="1905000"/>
-            <a:ext cx="1295400" cy="1631216"/>
+            <a:ext cx="1600200" cy="1015663"/>
           </a:xfrm>
           <a:prstGeom prst="rect">
             <a:avLst/>
@@ -5542,31 +5513,15 @@
           <a:p>
             <a:r>
               <a:rPr lang="en-US" sz="1000" dirty="0" smtClean="0"/>
-              <a:t>Pallet Town</a:t>
-            </a:r>
-          </a:p>
-          <a:p>
-            <a:r>
-              <a:rPr lang="en-US" sz="1000" dirty="0" smtClean="0"/>
-              <a:t>0,0</a:t>
-            </a:r>
-          </a:p>
-          <a:p>
+              <a:t>PalletTown,0,0</a:t>
+            </a:r>
+            <a:r>
+              <a:rPr lang="en-US" sz="1000" dirty="0" smtClean="0"/>
+              <a:t>,</a:t>
+            </a:r>
             <a:r>
               <a:rPr lang="en-US" sz="1000" dirty="0" smtClean="0"/>
               <a:t>South</a:t>
-            </a:r>
-          </a:p>
-          <a:p>
-            <a:r>
-              <a:rPr lang="en-US" sz="1000" dirty="0" smtClean="0"/>
-              <a:t>++++++++++</a:t>
-            </a:r>
-          </a:p>
-          <a:p>
-            <a:r>
-              <a:rPr lang="en-US" sz="1000" dirty="0" smtClean="0"/>
-              <a:t>=============</a:t>
             </a:r>
             <a:endParaRPr lang="en-US" sz="1000" dirty="0"/>
           </a:p>
@@ -6138,8 +6093,8 @@
         </p:nvSpPr>
         <p:spPr>
           <a:xfrm>
-            <a:off x="699247" y="2248347"/>
-            <a:ext cx="2501153" cy="4457253"/>
+            <a:off x="699247" y="1981201"/>
+            <a:ext cx="2501153" cy="4724400"/>
           </a:xfrm>
         </p:spPr>
         <p:txBody>
@@ -6204,8 +6159,19 @@
           <a:p>
             <a:r>
               <a:rPr lang="en-US" dirty="0" smtClean="0"/>
-              <a:t>Growth Rate</a:t>
-            </a:r>
+              <a:t>Growth </a:t>
+            </a:r>
+            <a:r>
+              <a:rPr lang="en-US" dirty="0" smtClean="0"/>
+              <a:t>Rate</a:t>
+            </a:r>
+          </a:p>
+          <a:p>
+            <a:r>
+              <a:rPr lang="en-US" dirty="0" smtClean="0"/>
+              <a:t>Description</a:t>
+            </a:r>
+            <a:endParaRPr lang="en-US" dirty="0" smtClean="0"/>
           </a:p>
           <a:p>
             <a:r>
@@ -6217,8 +6183,9 @@
             <a:pPr lvl="1"/>
             <a:r>
               <a:rPr lang="en-US" dirty="0" smtClean="0"/>
-              <a:t>Name</a:t>
-            </a:r>
+              <a:t>Name, Level</a:t>
+            </a:r>
+            <a:endParaRPr lang="en-US" dirty="0" smtClean="0"/>
           </a:p>
           <a:p>
             <a:pPr lvl="1"/>
@@ -6321,8 +6288,8 @@
         </p:nvSpPr>
         <p:spPr>
           <a:xfrm>
-            <a:off x="4038600" y="2286000"/>
-            <a:ext cx="2438400" cy="4524315"/>
+            <a:off x="4038600" y="2057400"/>
+            <a:ext cx="2438400" cy="4708981"/>
           </a:xfrm>
           <a:prstGeom prst="rect">
             <a:avLst/>
@@ -6397,20 +6364,29 @@
           <a:p>
             <a:r>
               <a:rPr lang="en-US" sz="1200" dirty="0" smtClean="0"/>
-              <a:t>Charmander</a:t>
+              <a:t>Words</a:t>
             </a:r>
           </a:p>
           <a:p>
             <a:r>
               <a:rPr lang="en-US" sz="1200" dirty="0" smtClean="0"/>
-              <a:t>Charmeleon</a:t>
-            </a:r>
+              <a:t>Charmander, 0</a:t>
+            </a:r>
+            <a:endParaRPr lang="en-US" sz="1200" dirty="0" smtClean="0"/>
           </a:p>
           <a:p>
             <a:r>
               <a:rPr lang="en-US" sz="1200" dirty="0" smtClean="0"/>
-              <a:t>Charzard</a:t>
-            </a:r>
+              <a:t>Charmeleon,  16</a:t>
+            </a:r>
+            <a:endParaRPr lang="en-US" sz="1200" dirty="0" smtClean="0"/>
+          </a:p>
+          <a:p>
+            <a:r>
+              <a:rPr lang="en-US" sz="1200" dirty="0" smtClean="0"/>
+              <a:t>Charzard, 36</a:t>
+            </a:r>
+            <a:endParaRPr lang="en-US" sz="1200" dirty="0" smtClean="0"/>
           </a:p>
           <a:p>
             <a:r>
@@ -6698,7 +6674,6 @@
               <a:rPr lang="en-US" sz="1200" dirty="0" smtClean="0"/>
               <a:t>*************</a:t>
             </a:r>
-            <a:endParaRPr lang="en-US" sz="1200" dirty="0" smtClean="0"/>
           </a:p>
         </p:txBody>
       </p:sp>
@@ -7055,8 +7030,13 @@
             <a:pPr lvl="1"/>
             <a:r>
               <a:rPr lang="en-US" dirty="0" smtClean="0"/>
-              <a:t>Pokémon Name</a:t>
-            </a:r>
+              <a:t>Pokémon </a:t>
+            </a:r>
+            <a:r>
+              <a:rPr lang="en-US" dirty="0" smtClean="0"/>
+              <a:t>Info</a:t>
+            </a:r>
+            <a:endParaRPr lang="en-US" dirty="0" smtClean="0"/>
           </a:p>
           <a:p>
             <a:pPr lvl="1"/>
@@ -7105,8 +7085,8 @@
         </p:nvSpPr>
         <p:spPr>
           <a:xfrm>
-            <a:off x="5029200" y="2362200"/>
-            <a:ext cx="3581400" cy="4247317"/>
+            <a:off x="3238500" y="2209800"/>
+            <a:ext cx="3581400" cy="4524315"/>
           </a:xfrm>
           <a:prstGeom prst="rect">
             <a:avLst/>
@@ -7192,21 +7172,143 @@
           </a:p>
           <a:p>
             <a:r>
-              <a:rPr lang="en-US" dirty="0" smtClean="0"/>
-              <a:t>Charmeleon</a:t>
-            </a:r>
-          </a:p>
-          <a:p>
-            <a:r>
-              <a:rPr lang="en-US" dirty="0" smtClean="0"/>
+              <a:rPr lang="en-US" dirty="0"/>
               <a:t>Charzard</a:t>
             </a:r>
           </a:p>
           <a:p>
             <a:r>
-              <a:rPr lang="en-US" dirty="0" smtClean="0"/>
+              <a:rPr lang="en-US" dirty="0"/>
+              <a:t>Flamethrower</a:t>
+            </a:r>
+          </a:p>
+          <a:p>
+            <a:r>
+              <a:rPr lang="en-US" dirty="0"/>
+              <a:t>Steel Wing</a:t>
+            </a:r>
+          </a:p>
+          <a:p>
+            <a:r>
+              <a:rPr lang="en-US" dirty="0" smtClean="0"/>
+              <a:t>Earthquake</a:t>
+            </a:r>
+            <a:endParaRPr lang="en-US" dirty="0"/>
+          </a:p>
+        </p:txBody>
+      </p:sp>
+      <p:sp>
+        <p:nvSpPr>
+          <p:cNvPr id="5" name="TextBox 4"/>
+          <p:cNvSpPr txBox="1"/>
+          <p:nvPr/>
+        </p:nvSpPr>
+        <p:spPr>
+          <a:xfrm>
+            <a:off x="6096000" y="2133600"/>
+            <a:ext cx="2667000" cy="4524315"/>
+          </a:xfrm>
+          <a:prstGeom prst="rect">
+            <a:avLst/>
+          </a:prstGeom>
+          <a:noFill/>
+        </p:spPr>
+        <p:txBody>
+          <a:bodyPr wrap="square" rtlCol="0">
+            <a:spAutoFit/>
+          </a:bodyPr>
+          <a:lstStyle/>
+          <a:p>
+            <a:r>
+              <a:rPr lang="en-US" dirty="0"/>
+              <a:t>Dragon Rage</a:t>
+            </a:r>
+          </a:p>
+          <a:p>
+            <a:r>
+              <a:rPr lang="en-US" dirty="0"/>
+              <a:t>****************</a:t>
+            </a:r>
+          </a:p>
+          <a:p>
+            <a:r>
+              <a:rPr lang="en-US" dirty="0"/>
+              <a:t>134</a:t>
+            </a:r>
+          </a:p>
+          <a:p>
+            <a:r>
+              <a:rPr lang="en-US" dirty="0"/>
+              <a:t>34</a:t>
+            </a:r>
+          </a:p>
+          <a:p>
+            <a:r>
+              <a:rPr lang="en-US" dirty="0"/>
+              <a:t>120</a:t>
+            </a:r>
+          </a:p>
+          <a:p>
+            <a:r>
+              <a:rPr lang="en-US" dirty="0"/>
+              <a:t>100</a:t>
+            </a:r>
+          </a:p>
+          <a:p>
+            <a:r>
+              <a:rPr lang="en-US" dirty="0"/>
+              <a:t>145</a:t>
+            </a:r>
+          </a:p>
+          <a:p>
+            <a:r>
+              <a:rPr lang="en-US" dirty="0"/>
+              <a:t>90</a:t>
+            </a:r>
+          </a:p>
+          <a:p>
+            <a:r>
+              <a:rPr lang="en-US" dirty="0"/>
+              <a:t>110</a:t>
+            </a:r>
+          </a:p>
+          <a:p>
+            <a:r>
+              <a:rPr lang="en-US" dirty="0"/>
+              <a:t>420</a:t>
+            </a:r>
+          </a:p>
+          <a:p>
+            <a:r>
+              <a:rPr lang="en-US" dirty="0"/>
+              <a:t>133160</a:t>
+            </a:r>
+          </a:p>
+          <a:p>
+            <a:r>
+              <a:rPr lang="en-US" dirty="0"/>
+              <a:t>80</a:t>
+            </a:r>
+          </a:p>
+          <a:p>
+            <a:r>
+              <a:rPr lang="en-US" dirty="0"/>
+              <a:t>0</a:t>
+            </a:r>
+          </a:p>
+          <a:p>
+            <a:r>
+              <a:rPr lang="en-US" dirty="0"/>
+              <a:t>*******************</a:t>
+            </a:r>
+          </a:p>
+          <a:p>
+            <a:r>
+              <a:rPr lang="en-US" dirty="0"/>
               <a:t>+++++++++++</a:t>
             </a:r>
+          </a:p>
+          <a:p>
             <a:endParaRPr lang="en-US" dirty="0"/>
           </a:p>
         </p:txBody>
